--- a/st122324-Diwas-Lamsal-DSA-Presentation.pptx
+++ b/st122324-Diwas-Lamsal-DSA-Presentation.pptx
@@ -138,6 +138,11 @@
       </a:defRPr>
     </a:lvl9pPr>
   </p:defaultTextStyle>
+  <p:extLst>
+    <p:ext uri="{EFAFB233-063F-42B5-8137-9DF3F51BA10A}">
+      <p15:sldGuideLst xmlns:p15="http://schemas.microsoft.com/office/powerpoint/2012/main"/>
+    </p:ext>
+  </p:extLst>
 </p:presentation>
 </file>
 
@@ -3027,7 +3032,7 @@
           <a:p>
             <a:fld id="{A19BA690-F31A-4B38-B56C-4CF79185F03D}" type="datetimeFigureOut">
               <a:rPr lang="en-US" smtClean="0"/>
-              <a:t>23-Nov-21</a:t>
+              <a:t>24-Nov-21</a:t>
             </a:fld>
             <a:endParaRPr lang="en-US"/>
           </a:p>
@@ -3248,7 +3253,7 @@
           <a:p>
             <a:fld id="{A19BA690-F31A-4B38-B56C-4CF79185F03D}" type="datetimeFigureOut">
               <a:rPr lang="en-US" smtClean="0"/>
-              <a:t>23-Nov-21</a:t>
+              <a:t>24-Nov-21</a:t>
             </a:fld>
             <a:endParaRPr lang="en-US"/>
           </a:p>
@@ -3428,7 +3433,7 @@
           <a:p>
             <a:fld id="{A19BA690-F31A-4B38-B56C-4CF79185F03D}" type="datetimeFigureOut">
               <a:rPr lang="en-US" smtClean="0"/>
-              <a:t>23-Nov-21</a:t>
+              <a:t>24-Nov-21</a:t>
             </a:fld>
             <a:endParaRPr lang="en-US"/>
           </a:p>
@@ -3598,7 +3603,7 @@
           <a:p>
             <a:fld id="{A19BA690-F31A-4B38-B56C-4CF79185F03D}" type="datetimeFigureOut">
               <a:rPr lang="en-US" smtClean="0"/>
-              <a:t>23-Nov-21</a:t>
+              <a:t>24-Nov-21</a:t>
             </a:fld>
             <a:endParaRPr lang="en-US"/>
           </a:p>
@@ -3849,7 +3854,7 @@
           <a:p>
             <a:fld id="{A19BA690-F31A-4B38-B56C-4CF79185F03D}" type="datetimeFigureOut">
               <a:rPr lang="en-US" smtClean="0"/>
-              <a:t>23-Nov-21</a:t>
+              <a:t>24-Nov-21</a:t>
             </a:fld>
             <a:endParaRPr lang="en-US"/>
           </a:p>
@@ -4172,7 +4177,7 @@
           <a:p>
             <a:fld id="{A19BA690-F31A-4B38-B56C-4CF79185F03D}" type="datetimeFigureOut">
               <a:rPr lang="en-US" smtClean="0"/>
-              <a:t>23-Nov-21</a:t>
+              <a:t>24-Nov-21</a:t>
             </a:fld>
             <a:endParaRPr lang="en-US"/>
           </a:p>
@@ -4596,7 +4601,7 @@
           <a:p>
             <a:fld id="{A19BA690-F31A-4B38-B56C-4CF79185F03D}" type="datetimeFigureOut">
               <a:rPr lang="en-US" smtClean="0"/>
-              <a:t>23-Nov-21</a:t>
+              <a:t>24-Nov-21</a:t>
             </a:fld>
             <a:endParaRPr lang="en-US"/>
           </a:p>
@@ -4714,7 +4719,7 @@
           <a:p>
             <a:fld id="{A19BA690-F31A-4B38-B56C-4CF79185F03D}" type="datetimeFigureOut">
               <a:rPr lang="en-US" smtClean="0"/>
-              <a:t>23-Nov-21</a:t>
+              <a:t>24-Nov-21</a:t>
             </a:fld>
             <a:endParaRPr lang="en-US"/>
           </a:p>
@@ -4809,7 +4814,7 @@
           <a:p>
             <a:fld id="{A19BA690-F31A-4B38-B56C-4CF79185F03D}" type="datetimeFigureOut">
               <a:rPr lang="en-US" smtClean="0"/>
-              <a:t>23-Nov-21</a:t>
+              <a:t>24-Nov-21</a:t>
             </a:fld>
             <a:endParaRPr lang="en-US"/>
           </a:p>
@@ -5099,7 +5104,7 @@
           <a:p>
             <a:fld id="{A19BA690-F31A-4B38-B56C-4CF79185F03D}" type="datetimeFigureOut">
               <a:rPr lang="en-US" smtClean="0"/>
-              <a:t>23-Nov-21</a:t>
+              <a:t>24-Nov-21</a:t>
             </a:fld>
             <a:endParaRPr lang="en-US"/>
           </a:p>
@@ -5371,7 +5376,7 @@
           <a:p>
             <a:fld id="{A19BA690-F31A-4B38-B56C-4CF79185F03D}" type="datetimeFigureOut">
               <a:rPr lang="en-US" smtClean="0"/>
-              <a:t>23-Nov-21</a:t>
+              <a:t>24-Nov-21</a:t>
             </a:fld>
             <a:endParaRPr lang="en-US"/>
           </a:p>
@@ -5624,7 +5629,7 @@
           <a:p>
             <a:fld id="{A19BA690-F31A-4B38-B56C-4CF79185F03D}" type="datetimeFigureOut">
               <a:rPr lang="en-US" smtClean="0"/>
-              <a:t>23-Nov-21</a:t>
+              <a:t>24-Nov-21</a:t>
             </a:fld>
             <a:endParaRPr lang="en-US"/>
           </a:p>
@@ -9217,12 +9222,67 @@
           </a:p>
         </p:txBody>
       </p:sp>
+      <p:sp>
+        <p:nvSpPr>
+          <p:cNvPr id="3" name="Content Placeholder 2">
+            <a:extLst>
+              <a:ext uri="{FF2B5EF4-FFF2-40B4-BE49-F238E27FC236}">
+                <a16:creationId xmlns:a16="http://schemas.microsoft.com/office/drawing/2014/main" id="{4652C5D0-707B-4DFE-9B80-968DF0987678}"/>
+              </a:ext>
+            </a:extLst>
+          </p:cNvPr>
+          <p:cNvSpPr>
+            <a:spLocks noGrp="1"/>
+          </p:cNvSpPr>
+          <p:nvPr>
+            <p:ph idx="1"/>
+          </p:nvPr>
+        </p:nvSpPr>
+        <p:spPr>
+          <a:xfrm>
+            <a:off x="6106703" y="2057400"/>
+            <a:ext cx="5364444" cy="4038600"/>
+          </a:xfrm>
+        </p:spPr>
+        <p:txBody>
+          <a:bodyPr>
+            <a:normAutofit/>
+          </a:bodyPr>
+          <a:lstStyle/>
+          <a:p>
+            <a:r>
+              <a:rPr lang="en-US" dirty="0"/>
+              <a:t>If the </a:t>
+            </a:r>
+            <a:r>
+              <a:rPr lang="en-US" dirty="0" err="1"/>
+              <a:t>DoublyLinkedList</a:t>
+            </a:r>
+            <a:r>
+              <a:rPr lang="en-US" dirty="0"/>
+              <a:t> is empty, insert at the beginning</a:t>
+            </a:r>
+          </a:p>
+          <a:p>
+            <a:r>
+              <a:rPr lang="en-US" dirty="0"/>
+              <a:t>If the word already exists, append the type and meaning to the word list</a:t>
+            </a:r>
+          </a:p>
+          <a:p>
+            <a:r>
+              <a:rPr lang="en-US" dirty="0"/>
+              <a:t>Otherwise, insert in sorted order</a:t>
+            </a:r>
+          </a:p>
+        </p:txBody>
+      </p:sp>
       <p:pic>
         <p:nvPicPr>
-          <p:cNvPr id="5" name="Picture 4" descr="Text&#10;&#10;Description automatically generated">
+          <p:cNvPr id="6" name="Picture 5">
             <a:extLst>
               <a:ext uri="{FF2B5EF4-FFF2-40B4-BE49-F238E27FC236}">
-                <a16:creationId xmlns:a16="http://schemas.microsoft.com/office/drawing/2014/main" id="{53F48503-2833-471A-AF5F-DF2A035FC08A}"/>
+                <a16:creationId xmlns:a16="http://schemas.microsoft.com/office/drawing/2014/main" id="{631C15E7-EF94-49D1-A1A5-D6FD654CA1A4}"/>
               </a:ext>
             </a:extLst>
           </p:cNvPr>
@@ -9239,69 +9299,22 @@
         </p:blipFill>
         <p:spPr>
           <a:xfrm>
-            <a:off x="1144783" y="857675"/>
-            <a:ext cx="4048276" cy="5140669"/>
+            <a:off x="720852" y="700705"/>
+            <a:ext cx="4561479" cy="5456589"/>
           </a:xfrm>
           <a:prstGeom prst="rect">
             <a:avLst/>
           </a:prstGeom>
+          <a:ln>
+            <a:solidFill>
+              <a:schemeClr val="accent6">
+                <a:lumMod val="20000"/>
+                <a:lumOff val="80000"/>
+              </a:schemeClr>
+            </a:solidFill>
+          </a:ln>
         </p:spPr>
       </p:pic>
-      <p:sp>
-        <p:nvSpPr>
-          <p:cNvPr id="3" name="Content Placeholder 2">
-            <a:extLst>
-              <a:ext uri="{FF2B5EF4-FFF2-40B4-BE49-F238E27FC236}">
-                <a16:creationId xmlns:a16="http://schemas.microsoft.com/office/drawing/2014/main" id="{4652C5D0-707B-4DFE-9B80-968DF0987678}"/>
-              </a:ext>
-            </a:extLst>
-          </p:cNvPr>
-          <p:cNvSpPr>
-            <a:spLocks noGrp="1"/>
-          </p:cNvSpPr>
-          <p:nvPr>
-            <p:ph idx="1"/>
-          </p:nvPr>
-        </p:nvSpPr>
-        <p:spPr>
-          <a:xfrm>
-            <a:off x="6106703" y="2057400"/>
-            <a:ext cx="5364444" cy="4038600"/>
-          </a:xfrm>
-        </p:spPr>
-        <p:txBody>
-          <a:bodyPr>
-            <a:normAutofit/>
-          </a:bodyPr>
-          <a:lstStyle/>
-          <a:p>
-            <a:r>
-              <a:rPr lang="en-US" dirty="0"/>
-              <a:t>If the </a:t>
-            </a:r>
-            <a:r>
-              <a:rPr lang="en-US" dirty="0" err="1"/>
-              <a:t>DoublyLinkedList</a:t>
-            </a:r>
-            <a:r>
-              <a:rPr lang="en-US" dirty="0"/>
-              <a:t> is empty, insert at the beginning</a:t>
-            </a:r>
-          </a:p>
-          <a:p>
-            <a:r>
-              <a:rPr lang="en-US" dirty="0"/>
-              <a:t>If the word already exists, append the type and meaning to the word list</a:t>
-            </a:r>
-          </a:p>
-          <a:p>
-            <a:r>
-              <a:rPr lang="en-US" dirty="0"/>
-              <a:t>Otherwise, insert in sorted order</a:t>
-            </a:r>
-          </a:p>
-        </p:txBody>
-      </p:sp>
     </p:spTree>
     <p:extLst>
       <p:ext uri="{BB962C8B-B14F-4D97-AF65-F5344CB8AC3E}">
@@ -11117,13 +11130,13 @@
           <a:p>
             <a:r>
               <a:rPr lang="en-US" dirty="0"/>
-              <a:t>Arrays cannot be used because they have a fixed size whereas the word dictionary requires the ability to add or delete a word</a:t>
+              <a:t>Arrays cannot be used because they have a fixed size whereas the word dictionary requires the ability to add or delete a word or meaning</a:t>
             </a:r>
           </a:p>
           <a:p>
             <a:r>
               <a:rPr lang="en-US" dirty="0"/>
-              <a:t>Stacks and queues would be extremely inefficient as we are often trying to access the elements that might belong at the middle of the dataset</a:t>
+              <a:t>Stacks and queues would be extremely inefficient as we are more often trying to access the elements belonging at the middle of the dataset</a:t>
             </a:r>
           </a:p>
           <a:p>
@@ -13657,8 +13670,8 @@
           </a:p>
         </p:txBody>
       </p:sp>
-      <mc:AlternateContent xmlns:mc="http://schemas.openxmlformats.org/markup-compatibility/2006">
-        <mc:Choice xmlns:a14="http://schemas.microsoft.com/office/drawing/2010/main" Requires="a14">
+      <mc:AlternateContent xmlns:mc="http://schemas.openxmlformats.org/markup-compatibility/2006" xmlns:a14="http://schemas.microsoft.com/office/drawing/2010/main">
+        <mc:Choice Requires="a14">
           <p:sp>
             <p:nvSpPr>
               <p:cNvPr id="3" name="Content Placeholder 2">
@@ -13778,7 +13791,7 @@
             </p:txBody>
           </p:sp>
         </mc:Choice>
-        <mc:Fallback>
+        <mc:Fallback xmlns="">
           <p:sp>
             <p:nvSpPr>
               <p:cNvPr id="3" name="Content Placeholder 2">

--- a/st122324-Diwas-Lamsal-DSA-Presentation.pptx
+++ b/st122324-Diwas-Lamsal-DSA-Presentation.pptx
@@ -9927,7 +9927,7 @@
           <a:p>
             <a:r>
               <a:rPr lang="en-US" dirty="0"/>
-              <a:t>If the dictionary is updated (after adding or deleting a word or a meaning), the pickle files are deleted and need to be recreated during the next run</a:t>
+              <a:t>If the dictionary is updated (after adding or deleting a word or a meaning), the pickle files are deleted and need to be recreated during the next run (consistency)</a:t>
             </a:r>
           </a:p>
         </p:txBody>
@@ -13986,7 +13986,7 @@
           <a:p>
             <a:r>
               <a:rPr lang="en-US" dirty="0"/>
-              <a:t>Another good algorithm for implementing a word dictionary is “</a:t>
+              <a:t>Another good data structure for implementing a word dictionary is “</a:t>
             </a:r>
             <a:r>
               <a:rPr lang="en-US" dirty="0" err="1"/>
